--- a/PPT/第8章 神经网络及其在智能传感器系统中的应用.pptx
+++ b/PPT/第8章 神经网络及其在智能传感器系统中的应用.pptx
@@ -290,7 +290,7 @@
           <a:p>
             <a:fld id="{80DA1F2E-2FC6-4C8F-A86E-F4D2904B9E16}" type="datetimeFigureOut">
               <a:rPr lang="zh-CN" altLang="en-US" smtClean="0"/>
-              <a:t>2025/10/3</a:t>
+              <a:t>2025/10/4</a:t>
             </a:fld>
             <a:endParaRPr lang="zh-CN" altLang="en-US"/>
           </a:p>
@@ -456,7 +456,7 @@
             <a:fld id="{839B75F8-F665-47F5-9F1B-1750F29F1993}" type="datetimeFigureOut">
               <a:rPr lang="zh-CN" altLang="en-US" smtClean="0"/>
               <a:pPr/>
-              <a:t>2025/10/3</a:t>
+              <a:t>2025/10/4</a:t>
             </a:fld>
             <a:endParaRPr lang="zh-CN" altLang="en-US"/>
           </a:p>
@@ -2640,7 +2640,7 @@
           <a:p>
             <a:fld id="{E0303ED4-6D35-4936-8F1D-2BFA02A5954C}" type="datetime1">
               <a:rPr lang="zh-CN" altLang="en-US" smtClean="0"/>
-              <a:t>2025/10/3</a:t>
+              <a:t>2025/10/4</a:t>
             </a:fld>
             <a:endParaRPr lang="zh-CN" altLang="en-US"/>
           </a:p>
@@ -19842,8 +19842,8 @@
           </a:p>
         </p:txBody>
       </p:sp>
-      <mc:AlternateContent xmlns:mc="http://schemas.openxmlformats.org/markup-compatibility/2006">
-        <mc:Choice xmlns:a14="http://schemas.microsoft.com/office/drawing/2010/main" Requires="a14">
+      <mc:AlternateContent xmlns:mc="http://schemas.openxmlformats.org/markup-compatibility/2006" xmlns:a14="http://schemas.microsoft.com/office/drawing/2010/main">
+        <mc:Choice Requires="a14">
           <p:sp>
             <p:nvSpPr>
               <p:cNvPr id="2" name="矩形 1"/>
@@ -20412,7 +20412,7 @@
             </p:txBody>
           </p:sp>
         </mc:Choice>
-        <mc:Fallback>
+        <mc:Fallback xmlns="">
           <p:sp>
             <p:nvSpPr>
               <p:cNvPr id="2" name="矩形 1"/>
@@ -29278,8 +29278,8 @@
           </a:graphicData>
         </a:graphic>
       </p:graphicFrame>
-      <mc:AlternateContent xmlns:mc="http://schemas.openxmlformats.org/markup-compatibility/2006">
-        <mc:Choice xmlns:a14="http://schemas.microsoft.com/office/drawing/2010/main" Requires="a14">
+      <mc:AlternateContent xmlns:mc="http://schemas.openxmlformats.org/markup-compatibility/2006" xmlns:a14="http://schemas.microsoft.com/office/drawing/2010/main">
+        <mc:Choice Requires="a14">
           <p:sp>
             <p:nvSpPr>
               <p:cNvPr id="9" name="文本框 8">
@@ -29325,7 +29325,7 @@
                         <a:solidFill>
                           <a:prstClr val="black"/>
                         </a:solidFill>
-                        <a:latin typeface="Arial" panose="020B0604020202020204" pitchFamily="34" charset="0"/>
+                        <a:latin typeface="Cambria Math" panose="02040503050406030204" pitchFamily="18" charset="0"/>
                         <a:ea typeface="微软雅黑" panose="020B0503020204020204" pitchFamily="34" charset="-122"/>
                       </a:rPr>
                       <m:t>𝟓</m:t>
@@ -29335,7 +29335,7 @@
                         <a:solidFill>
                           <a:prstClr val="black"/>
                         </a:solidFill>
-                        <a:latin typeface="Arial" panose="020B0604020202020204" pitchFamily="34" charset="0"/>
+                        <a:latin typeface="Cambria Math" panose="02040503050406030204" pitchFamily="18" charset="0"/>
                         <a:ea typeface="微软雅黑" panose="020B0503020204020204" pitchFamily="34" charset="-122"/>
                       </a:rPr>
                       <m:t>.</m:t>
@@ -29345,7 +29345,7 @@
                         <a:solidFill>
                           <a:prstClr val="black"/>
                         </a:solidFill>
-                        <a:latin typeface="Arial" panose="020B0604020202020204" pitchFamily="34" charset="0"/>
+                        <a:latin typeface="Cambria Math" panose="02040503050406030204" pitchFamily="18" charset="0"/>
                         <a:ea typeface="微软雅黑" panose="020B0503020204020204" pitchFamily="34" charset="-122"/>
                       </a:rPr>
                       <m:t>𝟓𝟒𝟎</m:t>
@@ -29355,7 +29355,7 @@
                         <a:solidFill>
                           <a:prstClr val="black"/>
                         </a:solidFill>
-                        <a:latin typeface="Arial" panose="020B0604020202020204" pitchFamily="34" charset="0"/>
+                        <a:latin typeface="Cambria Math" panose="02040503050406030204" pitchFamily="18" charset="0"/>
                         <a:ea typeface="微软雅黑" panose="020B0503020204020204" pitchFamily="34" charset="-122"/>
                       </a:rPr>
                       <m:t>×</m:t>
@@ -29363,11 +29363,11 @@
                     <m:sSup>
                       <m:sSupPr>
                         <m:ctrlPr>
-                          <a:rPr lang="zh-CN" altLang="zh-CN" b="1">
+                          <a:rPr lang="zh-CN" altLang="zh-CN" b="1" i="1">
                             <a:solidFill>
                               <a:prstClr val="black"/>
                             </a:solidFill>
-                            <a:latin typeface="Arial" panose="020B0604020202020204" pitchFamily="34" charset="0"/>
+                            <a:latin typeface="Cambria Math" panose="02040503050406030204" pitchFamily="18" charset="0"/>
                             <a:ea typeface="微软雅黑" panose="020B0503020204020204" pitchFamily="34" charset="-122"/>
                           </a:rPr>
                         </m:ctrlPr>
@@ -29378,7 +29378,7 @@
                             <a:solidFill>
                               <a:prstClr val="black"/>
                             </a:solidFill>
-                            <a:latin typeface="Arial" panose="020B0604020202020204" pitchFamily="34" charset="0"/>
+                            <a:latin typeface="Cambria Math" panose="02040503050406030204" pitchFamily="18" charset="0"/>
                             <a:ea typeface="微软雅黑" panose="020B0503020204020204" pitchFamily="34" charset="-122"/>
                           </a:rPr>
                           <m:t>𝟏𝟎</m:t>
@@ -29390,7 +29390,7 @@
                             <a:solidFill>
                               <a:prstClr val="black"/>
                             </a:solidFill>
-                            <a:latin typeface="Arial" panose="020B0604020202020204" pitchFamily="34" charset="0"/>
+                            <a:latin typeface="Cambria Math" panose="02040503050406030204" pitchFamily="18" charset="0"/>
                             <a:ea typeface="微软雅黑" panose="020B0503020204020204" pitchFamily="34" charset="-122"/>
                           </a:rPr>
                           <m:t>−</m:t>
@@ -29400,7 +29400,7 @@
                             <a:solidFill>
                               <a:prstClr val="black"/>
                             </a:solidFill>
-                            <a:latin typeface="Arial" panose="020B0604020202020204" pitchFamily="34" charset="0"/>
+                            <a:latin typeface="Cambria Math" panose="02040503050406030204" pitchFamily="18" charset="0"/>
                             <a:ea typeface="微软雅黑" panose="020B0503020204020204" pitchFamily="34" charset="-122"/>
                           </a:rPr>
                           <m:t>𝟒</m:t>
@@ -29430,7 +29430,7 @@
             </p:txBody>
           </p:sp>
         </mc:Choice>
-        <mc:Fallback>
+        <mc:Fallback xmlns="">
           <p:sp>
             <p:nvSpPr>
               <p:cNvPr id="9" name="文本框 8">
@@ -29765,7 +29765,7 @@
                 <a:ea typeface="微软雅黑" panose="020B0503020204020204" pitchFamily="34" charset="-122"/>
                 <a:sym typeface="Arial" panose="020B0604020202020204" pitchFamily="34" charset="0"/>
               </a:rPr>
-              <a:t>Numpy</a:t>
+              <a:t>numpy</a:t>
             </a:r>
             <a:r>
               <a:rPr lang="zh-CN" altLang="en-US" sz="1600" b="1" dirty="0">
@@ -29851,7 +29851,7 @@
                 <a:ea typeface="微软雅黑" panose="020B0503020204020204" pitchFamily="34" charset="-122"/>
                 <a:sym typeface="Arial" panose="020B0604020202020204" pitchFamily="34" charset="0"/>
               </a:rPr>
-              <a:t>Sklearn</a:t>
+              <a:t>sklearn</a:t>
             </a:r>
             <a:r>
               <a:rPr lang="zh-CN" altLang="en-US" sz="1600" b="1" dirty="0">
